--- a/figs/fig7.pptx
+++ b/figs/fig7.pptx
@@ -197,7 +197,7 @@
           <a:p>
             <a:fld id="{5B1FC834-2C51-F143-9EBB-82B72F9BA469}" type="datetimeFigureOut">
               <a:rPr lang="en-US" smtClean="0"/>
-              <a:t>2/9/21</a:t>
+              <a:t>8/17/21</a:t>
             </a:fld>
             <a:endParaRPr lang="en-US"/>
           </a:p>
@@ -685,7 +685,7 @@
           <a:p>
             <a:fld id="{B597CC55-5FA0-614C-B100-FD407A2FE5FE}" type="datetimeFigureOut">
               <a:rPr lang="en-US" smtClean="0"/>
-              <a:t>2/9/21</a:t>
+              <a:t>8/17/21</a:t>
             </a:fld>
             <a:endParaRPr lang="en-US"/>
           </a:p>
@@ -855,7 +855,7 @@
           <a:p>
             <a:fld id="{B597CC55-5FA0-614C-B100-FD407A2FE5FE}" type="datetimeFigureOut">
               <a:rPr lang="en-US" smtClean="0"/>
-              <a:t>2/9/21</a:t>
+              <a:t>8/17/21</a:t>
             </a:fld>
             <a:endParaRPr lang="en-US"/>
           </a:p>
@@ -1035,7 +1035,7 @@
           <a:p>
             <a:fld id="{B597CC55-5FA0-614C-B100-FD407A2FE5FE}" type="datetimeFigureOut">
               <a:rPr lang="en-US" smtClean="0"/>
-              <a:t>2/9/21</a:t>
+              <a:t>8/17/21</a:t>
             </a:fld>
             <a:endParaRPr lang="en-US"/>
           </a:p>
@@ -1205,7 +1205,7 @@
           <a:p>
             <a:fld id="{B597CC55-5FA0-614C-B100-FD407A2FE5FE}" type="datetimeFigureOut">
               <a:rPr lang="en-US" smtClean="0"/>
-              <a:t>2/9/21</a:t>
+              <a:t>8/17/21</a:t>
             </a:fld>
             <a:endParaRPr lang="en-US"/>
           </a:p>
@@ -1451,7 +1451,7 @@
           <a:p>
             <a:fld id="{B597CC55-5FA0-614C-B100-FD407A2FE5FE}" type="datetimeFigureOut">
               <a:rPr lang="en-US" smtClean="0"/>
-              <a:t>2/9/21</a:t>
+              <a:t>8/17/21</a:t>
             </a:fld>
             <a:endParaRPr lang="en-US"/>
           </a:p>
@@ -1683,7 +1683,7 @@
           <a:p>
             <a:fld id="{B597CC55-5FA0-614C-B100-FD407A2FE5FE}" type="datetimeFigureOut">
               <a:rPr lang="en-US" smtClean="0"/>
-              <a:t>2/9/21</a:t>
+              <a:t>8/17/21</a:t>
             </a:fld>
             <a:endParaRPr lang="en-US"/>
           </a:p>
@@ -2050,7 +2050,7 @@
           <a:p>
             <a:fld id="{B597CC55-5FA0-614C-B100-FD407A2FE5FE}" type="datetimeFigureOut">
               <a:rPr lang="en-US" smtClean="0"/>
-              <a:t>2/9/21</a:t>
+              <a:t>8/17/21</a:t>
             </a:fld>
             <a:endParaRPr lang="en-US"/>
           </a:p>
@@ -2168,7 +2168,7 @@
           <a:p>
             <a:fld id="{B597CC55-5FA0-614C-B100-FD407A2FE5FE}" type="datetimeFigureOut">
               <a:rPr lang="en-US" smtClean="0"/>
-              <a:t>2/9/21</a:t>
+              <a:t>8/17/21</a:t>
             </a:fld>
             <a:endParaRPr lang="en-US"/>
           </a:p>
@@ -2263,7 +2263,7 @@
           <a:p>
             <a:fld id="{B597CC55-5FA0-614C-B100-FD407A2FE5FE}" type="datetimeFigureOut">
               <a:rPr lang="en-US" smtClean="0"/>
-              <a:t>2/9/21</a:t>
+              <a:t>8/17/21</a:t>
             </a:fld>
             <a:endParaRPr lang="en-US"/>
           </a:p>
@@ -2540,7 +2540,7 @@
           <a:p>
             <a:fld id="{B597CC55-5FA0-614C-B100-FD407A2FE5FE}" type="datetimeFigureOut">
               <a:rPr lang="en-US" smtClean="0"/>
-              <a:t>2/9/21</a:t>
+              <a:t>8/17/21</a:t>
             </a:fld>
             <a:endParaRPr lang="en-US"/>
           </a:p>
@@ -2797,7 +2797,7 @@
           <a:p>
             <a:fld id="{B597CC55-5FA0-614C-B100-FD407A2FE5FE}" type="datetimeFigureOut">
               <a:rPr lang="en-US" smtClean="0"/>
-              <a:t>2/9/21</a:t>
+              <a:t>8/17/21</a:t>
             </a:fld>
             <a:endParaRPr lang="en-US"/>
           </a:p>
@@ -3010,7 +3010,7 @@
           <a:p>
             <a:fld id="{B597CC55-5FA0-614C-B100-FD407A2FE5FE}" type="datetimeFigureOut">
               <a:rPr lang="en-US" smtClean="0"/>
-              <a:t>2/9/21</a:t>
+              <a:t>8/17/21</a:t>
             </a:fld>
             <a:endParaRPr lang="en-US"/>
           </a:p>
@@ -9700,6 +9700,48 @@
                 <a:cs typeface="Arial" panose="020B0604020202020204" pitchFamily="34" charset="0"/>
               </a:rPr>
               <a:t>3</a:t>
+            </a:r>
+          </a:p>
+        </p:txBody>
+      </p:sp>
+      <p:sp>
+        <p:nvSpPr>
+          <p:cNvPr id="141" name="TextBox 140">
+            <a:extLst>
+              <a:ext uri="{FF2B5EF4-FFF2-40B4-BE49-F238E27FC236}">
+                <a16:creationId xmlns:a16="http://schemas.microsoft.com/office/drawing/2014/main" id="{4A422235-79FA-1A4C-BCFF-ED0E46BAFDF8}"/>
+              </a:ext>
+            </a:extLst>
+          </p:cNvPr>
+          <p:cNvSpPr txBox="1"/>
+          <p:nvPr/>
+        </p:nvSpPr>
+        <p:spPr>
+          <a:xfrm>
+            <a:off x="4622692" y="3665879"/>
+            <a:ext cx="965003" cy="215444"/>
+          </a:xfrm>
+          <a:prstGeom prst="rect">
+            <a:avLst/>
+          </a:prstGeom>
+          <a:noFill/>
+        </p:spPr>
+        <p:txBody>
+          <a:bodyPr wrap="square" rtlCol="0" anchor="ctr">
+            <a:spAutoFit/>
+          </a:bodyPr>
+          <a:lstStyle/>
+          <a:p>
+            <a:pPr algn="ctr"/>
+            <a:r>
+              <a:rPr lang="en-US" sz="800" dirty="0">
+                <a:solidFill>
+                  <a:schemeClr val="bg1"/>
+                </a:solidFill>
+                <a:latin typeface="Arial" panose="020B0604020202020204" pitchFamily="34" charset="0"/>
+                <a:cs typeface="Arial" panose="020B0604020202020204" pitchFamily="34" charset="0"/>
+              </a:rPr>
+              <a:t>5</a:t>
             </a:r>
           </a:p>
         </p:txBody>
